--- a/document/guide/화면설계서 V0.02.pptx
+++ b/document/guide/화면설계서 V0.02.pptx
@@ -15,9 +15,8 @@
     <p:sldId id="268" r:id="rId9"/>
     <p:sldId id="264" r:id="rId10"/>
     <p:sldId id="265" r:id="rId11"/>
-    <p:sldId id="266" r:id="rId12"/>
-    <p:sldId id="257" r:id="rId13"/>
-    <p:sldId id="258" r:id="rId14"/>
+    <p:sldId id="257" r:id="rId12"/>
+    <p:sldId id="258" r:id="rId13"/>
   </p:sldIdLst>
   <p:sldSz cx="9144000" cy="6858000" type="screen4x3"/>
   <p:notesSz cx="6858000" cy="9144000"/>
@@ -300,7 +299,7 @@
           <a:p>
             <a:fld id="{23AD815C-601B-49CD-8FF6-5B651A1CD159}" type="datetimeFigureOut">
               <a:rPr lang="ko-KR" altLang="en-US" smtClean="0"/>
-              <a:t>2012-09-29</a:t>
+              <a:t>2012-10-02</a:t>
             </a:fld>
             <a:endParaRPr lang="ko-KR" altLang="en-US"/>
           </a:p>
@@ -470,7 +469,7 @@
           <a:p>
             <a:fld id="{23AD815C-601B-49CD-8FF6-5B651A1CD159}" type="datetimeFigureOut">
               <a:rPr lang="ko-KR" altLang="en-US" smtClean="0"/>
-              <a:t>2012-09-29</a:t>
+              <a:t>2012-10-02</a:t>
             </a:fld>
             <a:endParaRPr lang="ko-KR" altLang="en-US"/>
           </a:p>
@@ -650,7 +649,7 @@
           <a:p>
             <a:fld id="{23AD815C-601B-49CD-8FF6-5B651A1CD159}" type="datetimeFigureOut">
               <a:rPr lang="ko-KR" altLang="en-US" smtClean="0"/>
-              <a:t>2012-09-29</a:t>
+              <a:t>2012-10-02</a:t>
             </a:fld>
             <a:endParaRPr lang="ko-KR" altLang="en-US"/>
           </a:p>
@@ -820,7 +819,7 @@
           <a:p>
             <a:fld id="{23AD815C-601B-49CD-8FF6-5B651A1CD159}" type="datetimeFigureOut">
               <a:rPr lang="ko-KR" altLang="en-US" smtClean="0"/>
-              <a:t>2012-09-29</a:t>
+              <a:t>2012-10-02</a:t>
             </a:fld>
             <a:endParaRPr lang="ko-KR" altLang="en-US"/>
           </a:p>
@@ -1066,7 +1065,7 @@
           <a:p>
             <a:fld id="{23AD815C-601B-49CD-8FF6-5B651A1CD159}" type="datetimeFigureOut">
               <a:rPr lang="ko-KR" altLang="en-US" smtClean="0"/>
-              <a:t>2012-09-29</a:t>
+              <a:t>2012-10-02</a:t>
             </a:fld>
             <a:endParaRPr lang="ko-KR" altLang="en-US"/>
           </a:p>
@@ -1354,7 +1353,7 @@
           <a:p>
             <a:fld id="{23AD815C-601B-49CD-8FF6-5B651A1CD159}" type="datetimeFigureOut">
               <a:rPr lang="ko-KR" altLang="en-US" smtClean="0"/>
-              <a:t>2012-09-29</a:t>
+              <a:t>2012-10-02</a:t>
             </a:fld>
             <a:endParaRPr lang="ko-KR" altLang="en-US"/>
           </a:p>
@@ -1776,7 +1775,7 @@
           <a:p>
             <a:fld id="{23AD815C-601B-49CD-8FF6-5B651A1CD159}" type="datetimeFigureOut">
               <a:rPr lang="ko-KR" altLang="en-US" smtClean="0"/>
-              <a:t>2012-09-29</a:t>
+              <a:t>2012-10-02</a:t>
             </a:fld>
             <a:endParaRPr lang="ko-KR" altLang="en-US"/>
           </a:p>
@@ -1894,7 +1893,7 @@
           <a:p>
             <a:fld id="{23AD815C-601B-49CD-8FF6-5B651A1CD159}" type="datetimeFigureOut">
               <a:rPr lang="ko-KR" altLang="en-US" smtClean="0"/>
-              <a:t>2012-09-29</a:t>
+              <a:t>2012-10-02</a:t>
             </a:fld>
             <a:endParaRPr lang="ko-KR" altLang="en-US"/>
           </a:p>
@@ -1989,7 +1988,7 @@
           <a:p>
             <a:fld id="{23AD815C-601B-49CD-8FF6-5B651A1CD159}" type="datetimeFigureOut">
               <a:rPr lang="ko-KR" altLang="en-US" smtClean="0"/>
-              <a:t>2012-09-29</a:t>
+              <a:t>2012-10-02</a:t>
             </a:fld>
             <a:endParaRPr lang="ko-KR" altLang="en-US"/>
           </a:p>
@@ -2266,7 +2265,7 @@
           <a:p>
             <a:fld id="{23AD815C-601B-49CD-8FF6-5B651A1CD159}" type="datetimeFigureOut">
               <a:rPr lang="ko-KR" altLang="en-US" smtClean="0"/>
-              <a:t>2012-09-29</a:t>
+              <a:t>2012-10-02</a:t>
             </a:fld>
             <a:endParaRPr lang="ko-KR" altLang="en-US"/>
           </a:p>
@@ -2519,7 +2518,7 @@
           <a:p>
             <a:fld id="{23AD815C-601B-49CD-8FF6-5B651A1CD159}" type="datetimeFigureOut">
               <a:rPr lang="ko-KR" altLang="en-US" smtClean="0"/>
-              <a:t>2012-09-29</a:t>
+              <a:t>2012-10-02</a:t>
             </a:fld>
             <a:endParaRPr lang="ko-KR" altLang="en-US"/>
           </a:p>
@@ -2732,7 +2731,7 @@
           <a:p>
             <a:fld id="{23AD815C-601B-49CD-8FF6-5B651A1CD159}" type="datetimeFigureOut">
               <a:rPr lang="ko-KR" altLang="en-US" smtClean="0"/>
-              <a:t>2012-09-29</a:t>
+              <a:t>2012-10-02</a:t>
             </a:fld>
             <a:endParaRPr lang="ko-KR" altLang="en-US"/>
           </a:p>
@@ -3186,6 +3185,242 @@
           <a:chExt cx="0" cy="0"/>
         </a:xfrm>
       </p:grpSpPr>
+      <p:sp>
+        <p:nvSpPr>
+          <p:cNvPr id="2" name="직사각형 1"/>
+          <p:cNvSpPr/>
+          <p:nvPr/>
+        </p:nvSpPr>
+        <p:spPr>
+          <a:xfrm>
+            <a:off x="0" y="0"/>
+            <a:ext cx="9144000" cy="345600"/>
+          </a:xfrm>
+          <a:prstGeom prst="rect">
+            <a:avLst/>
+          </a:prstGeom>
+        </p:spPr>
+        <p:style>
+          <a:lnRef idx="2">
+            <a:schemeClr val="accent1">
+              <a:shade val="50000"/>
+            </a:schemeClr>
+          </a:lnRef>
+          <a:fillRef idx="1">
+            <a:schemeClr val="accent1"/>
+          </a:fillRef>
+          <a:effectRef idx="0">
+            <a:schemeClr val="accent1"/>
+          </a:effectRef>
+          <a:fontRef idx="minor">
+            <a:schemeClr val="lt1"/>
+          </a:fontRef>
+        </p:style>
+        <p:txBody>
+          <a:bodyPr rtlCol="0" anchor="ctr"/>
+          <a:lstStyle/>
+          <a:p>
+            <a:pPr algn="ctr"/>
+            <a:r>
+              <a:rPr lang="ko-KR" altLang="en-US" dirty="0" err="1" smtClean="0"/>
+              <a:t>메인페이</a:t>
+            </a:r>
+            <a:r>
+              <a:rPr lang="ko-KR" altLang="en-US" dirty="0" err="1"/>
+              <a:t>지</a:t>
+            </a:r>
+            <a:endParaRPr lang="en-US" altLang="ko-KR" dirty="0" smtClean="0"/>
+          </a:p>
+        </p:txBody>
+      </p:sp>
+      <p:sp>
+        <p:nvSpPr>
+          <p:cNvPr id="3" name="TextBox 2"/>
+          <p:cNvSpPr txBox="1"/>
+          <p:nvPr/>
+        </p:nvSpPr>
+        <p:spPr>
+          <a:xfrm>
+            <a:off x="143508" y="6238473"/>
+            <a:ext cx="8856984" cy="430887"/>
+          </a:xfrm>
+          <a:prstGeom prst="rect">
+            <a:avLst/>
+          </a:prstGeom>
+          <a:noFill/>
+          <a:ln>
+            <a:solidFill>
+              <a:schemeClr val="accent1">
+                <a:shade val="50000"/>
+              </a:schemeClr>
+            </a:solidFill>
+            <a:prstDash val="dash"/>
+          </a:ln>
+        </p:spPr>
+        <p:txBody>
+          <a:bodyPr wrap="square" rtlCol="0">
+            <a:spAutoFit/>
+          </a:bodyPr>
+          <a:lstStyle/>
+          <a:p>
+            <a:r>
+              <a:rPr lang="ko-KR" altLang="en-US" sz="1100" dirty="0" smtClean="0"/>
+              <a:t>메인 페이지는 위 그림처럼 각 구역으로 잡을 생각입니다</a:t>
+            </a:r>
+            <a:r>
+              <a:rPr lang="en-US" altLang="ko-KR" sz="1100" dirty="0" smtClean="0"/>
+              <a:t>.</a:t>
+            </a:r>
+          </a:p>
+          <a:p>
+            <a:r>
+              <a:rPr lang="ko-KR" altLang="en-US" sz="1100" dirty="0" smtClean="0"/>
+              <a:t>그림 </a:t>
+            </a:r>
+            <a:r>
+              <a:rPr lang="ko-KR" altLang="en-US" sz="1100" dirty="0" err="1" smtClean="0"/>
+              <a:t>플래쉬구역</a:t>
+            </a:r>
+            <a:r>
+              <a:rPr lang="en-US" altLang="ko-KR" sz="1100" dirty="0" smtClean="0"/>
+              <a:t>, </a:t>
+            </a:r>
+            <a:r>
+              <a:rPr lang="ko-KR" altLang="en-US" sz="1100" dirty="0" smtClean="0"/>
+              <a:t>메뉴</a:t>
+            </a:r>
+            <a:r>
+              <a:rPr lang="en-US" altLang="ko-KR" sz="1100" dirty="0" smtClean="0"/>
+              <a:t>, </a:t>
+            </a:r>
+            <a:r>
+              <a:rPr lang="ko-KR" altLang="en-US" sz="1100" dirty="0" smtClean="0"/>
+              <a:t>로그인</a:t>
+            </a:r>
+            <a:r>
+              <a:rPr lang="en-US" altLang="ko-KR" sz="1100" dirty="0" smtClean="0"/>
+              <a:t>, </a:t>
+            </a:r>
+            <a:r>
+              <a:rPr lang="ko-KR" altLang="en-US" sz="1100" dirty="0" err="1" smtClean="0"/>
+              <a:t>최근저작된</a:t>
+            </a:r>
+            <a:r>
+              <a:rPr lang="ko-KR" altLang="en-US" sz="1100" dirty="0" smtClean="0"/>
+              <a:t> 테마</a:t>
+            </a:r>
+            <a:r>
+              <a:rPr lang="en-US" altLang="ko-KR" sz="1100" dirty="0" smtClean="0"/>
+              <a:t>, </a:t>
+            </a:r>
+            <a:r>
+              <a:rPr lang="ko-KR" altLang="en-US" sz="1100" dirty="0" err="1" smtClean="0"/>
+              <a:t>카테고리별</a:t>
+            </a:r>
+            <a:r>
+              <a:rPr lang="en-US" altLang="ko-KR" sz="1100" dirty="0" smtClean="0"/>
+              <a:t>, </a:t>
+            </a:r>
+            <a:r>
+              <a:rPr lang="ko-KR" altLang="en-US" sz="1100" dirty="0" smtClean="0"/>
+              <a:t>최고추천테마</a:t>
+            </a:r>
+            <a:r>
+              <a:rPr lang="en-US" altLang="ko-KR" sz="1100" dirty="0" smtClean="0"/>
+              <a:t>, </a:t>
+            </a:r>
+            <a:r>
+              <a:rPr lang="ko-KR" altLang="en-US" sz="1100" dirty="0" smtClean="0"/>
+              <a:t>독특한 아티스트</a:t>
+            </a:r>
+            <a:r>
+              <a:rPr lang="en-US" altLang="ko-KR" sz="1100" dirty="0" smtClean="0"/>
+              <a:t>, </a:t>
+            </a:r>
+            <a:r>
+              <a:rPr lang="ko-KR" altLang="en-US" sz="1100" dirty="0" smtClean="0"/>
+              <a:t>알파벳</a:t>
+            </a:r>
+            <a:r>
+              <a:rPr lang="en-US" altLang="ko-KR" sz="1100" dirty="0" smtClean="0"/>
+              <a:t>/</a:t>
+            </a:r>
+            <a:r>
+              <a:rPr lang="ko-KR" altLang="en-US" sz="1100" dirty="0" err="1" smtClean="0"/>
+              <a:t>한글별</a:t>
+            </a:r>
+            <a:r>
+              <a:rPr lang="ko-KR" altLang="en-US" sz="1100" dirty="0" smtClean="0"/>
+              <a:t> 테마 검색</a:t>
+            </a:r>
+            <a:endParaRPr lang="en-US" altLang="ko-KR" sz="1100" dirty="0" smtClean="0"/>
+          </a:p>
+        </p:txBody>
+      </p:sp>
+      <p:pic>
+        <p:nvPicPr>
+          <p:cNvPr id="5" name="Picture 2"/>
+          <p:cNvPicPr>
+            <a:picLocks noChangeAspect="1" noChangeArrowheads="1"/>
+          </p:cNvPicPr>
+          <p:nvPr/>
+        </p:nvPicPr>
+        <p:blipFill>
+          <a:blip r:embed="rId2">
+            <a:extLst>
+              <a:ext uri="{28A0092B-C50C-407E-A947-70E740481C1C}">
+                <a14:useLocalDpi xmlns:a14="http://schemas.microsoft.com/office/drawing/2010/main" val="0"/>
+              </a:ext>
+            </a:extLst>
+          </a:blip>
+          <a:srcRect/>
+          <a:stretch>
+            <a:fillRect/>
+          </a:stretch>
+        </p:blipFill>
+        <p:spPr bwMode="auto">
+          <a:xfrm>
+            <a:off x="1835696" y="372239"/>
+            <a:ext cx="5400601" cy="5577041"/>
+          </a:xfrm>
+          <a:prstGeom prst="rect">
+            <a:avLst/>
+          </a:prstGeom>
+          <a:noFill/>
+          <a:ln>
+            <a:noFill/>
+          </a:ln>
+          <a:effectLst/>
+          <a:extLst>
+            <a:ext uri="{909E8E84-426E-40DD-AFC4-6F175D3DCCD1}">
+              <a14:hiddenFill xmlns:a14="http://schemas.microsoft.com/office/drawing/2010/main">
+                <a:solidFill>
+                  <a:schemeClr val="accent1"/>
+                </a:solidFill>
+              </a14:hiddenFill>
+            </a:ext>
+            <a:ext uri="{91240B29-F687-4F45-9708-019B960494DF}">
+              <a14:hiddenLine xmlns:a14="http://schemas.microsoft.com/office/drawing/2010/main" w="9525">
+                <a:solidFill>
+                  <a:schemeClr val="tx1"/>
+                </a:solidFill>
+                <a:miter lim="800000"/>
+                <a:headEnd/>
+                <a:tailEnd/>
+              </a14:hiddenLine>
+            </a:ext>
+            <a:ext uri="{AF507438-7753-43E0-B8FC-AC1667EBCBE1}">
+              <a14:hiddenEffects xmlns:a14="http://schemas.microsoft.com/office/drawing/2010/main">
+                <a:effectLst>
+                  <a:outerShdw dist="35921" dir="2700000" algn="ctr" rotWithShape="0">
+                    <a:schemeClr val="bg2"/>
+                  </a:outerShdw>
+                </a:effectLst>
+              </a14:hiddenEffects>
+            </a:ext>
+          </a:extLst>
+        </p:spPr>
+      </p:pic>
     </p:spTree>
     <p:extLst>
       <p:ext uri="{BB962C8B-B14F-4D97-AF65-F5344CB8AC3E}">
@@ -3200,74 +3435,6 @@
 </file>
 
 <file path=ppt/slides/slide11.xml><?xml version="1.0" encoding="utf-8"?>
-<p:sld xmlns:a="http://schemas.openxmlformats.org/drawingml/2006/main" xmlns:r="http://schemas.openxmlformats.org/officeDocument/2006/relationships" xmlns:p="http://schemas.openxmlformats.org/presentationml/2006/main">
-  <p:cSld>
-    <p:spTree>
-      <p:nvGrpSpPr>
-        <p:cNvPr id="1" name=""/>
-        <p:cNvGrpSpPr/>
-        <p:nvPr/>
-      </p:nvGrpSpPr>
-      <p:grpSpPr>
-        <a:xfrm>
-          <a:off x="0" y="0"/>
-          <a:ext cx="0" cy="0"/>
-          <a:chOff x="0" y="0"/>
-          <a:chExt cx="0" cy="0"/>
-        </a:xfrm>
-      </p:grpSpPr>
-      <p:sp>
-        <p:nvSpPr>
-          <p:cNvPr id="2" name="제목 1"/>
-          <p:cNvSpPr>
-            <a:spLocks noGrp="1"/>
-          </p:cNvSpPr>
-          <p:nvPr>
-            <p:ph type="title"/>
-          </p:nvPr>
-        </p:nvSpPr>
-        <p:spPr/>
-        <p:txBody>
-          <a:bodyPr/>
-          <a:lstStyle/>
-          <a:p>
-            <a:endParaRPr lang="ko-KR" altLang="en-US"/>
-          </a:p>
-        </p:txBody>
-      </p:sp>
-      <p:sp>
-        <p:nvSpPr>
-          <p:cNvPr id="3" name="내용 개체 틀 2"/>
-          <p:cNvSpPr>
-            <a:spLocks noGrp="1"/>
-          </p:cNvSpPr>
-          <p:nvPr>
-            <p:ph idx="1"/>
-          </p:nvPr>
-        </p:nvSpPr>
-        <p:spPr/>
-        <p:txBody>
-          <a:bodyPr/>
-          <a:lstStyle/>
-          <a:p>
-            <a:endParaRPr lang="ko-KR" altLang="en-US"/>
-          </a:p>
-        </p:txBody>
-      </p:sp>
-    </p:spTree>
-    <p:extLst>
-      <p:ext uri="{BB962C8B-B14F-4D97-AF65-F5344CB8AC3E}">
-        <p14:creationId xmlns:p14="http://schemas.microsoft.com/office/powerpoint/2010/main" val="2602378199"/>
-      </p:ext>
-    </p:extLst>
-  </p:cSld>
-  <p:clrMapOvr>
-    <a:masterClrMapping/>
-  </p:clrMapOvr>
-</p:sld>
-</file>
-
-<file path=ppt/slides/slide12.xml><?xml version="1.0" encoding="utf-8"?>
 <p:sld xmlns:a="http://schemas.openxmlformats.org/drawingml/2006/main" xmlns:r="http://schemas.openxmlformats.org/officeDocument/2006/relationships" xmlns:p="http://schemas.openxmlformats.org/presentationml/2006/main">
   <p:cSld>
     <p:spTree>
@@ -4043,7 +4210,7 @@
 </p:sld>
 </file>
 
-<file path=ppt/slides/slide13.xml><?xml version="1.0" encoding="utf-8"?>
+<file path=ppt/slides/slide12.xml><?xml version="1.0" encoding="utf-8"?>
 <p:sld xmlns:a="http://schemas.openxmlformats.org/drawingml/2006/main" xmlns:r="http://schemas.openxmlformats.org/officeDocument/2006/relationships" xmlns:p="http://schemas.openxmlformats.org/presentationml/2006/main">
   <p:cSld>
     <p:spTree>
@@ -5789,7 +5956,6 @@
               <a:rPr lang="en-US" altLang="ko-KR" sz="1100" dirty="0" smtClean="0"/>
               <a:t>.</a:t>
             </a:r>
-            <a:endParaRPr lang="en-US" altLang="ko-KR" sz="1100" dirty="0" smtClean="0"/>
           </a:p>
         </p:txBody>
       </p:sp>
@@ -6063,7 +6229,6 @@
               <a:rPr lang="en-US" altLang="ko-KR" sz="1100" dirty="0" smtClean="0"/>
               <a:t>.</a:t>
             </a:r>
-            <a:endParaRPr lang="en-US" altLang="ko-KR" sz="1100" dirty="0" smtClean="0"/>
           </a:p>
         </p:txBody>
       </p:sp>
@@ -6226,11 +6391,7 @@
             </a:r>
             <a:r>
               <a:rPr lang="ko-KR" altLang="en-US" dirty="0" smtClean="0"/>
-              <a:t>확인 </a:t>
-            </a:r>
-            <a:r>
-              <a:rPr lang="ko-KR" altLang="en-US" dirty="0" smtClean="0"/>
-              <a:t>단계</a:t>
+              <a:t>확인 단계</a:t>
             </a:r>
             <a:endParaRPr lang="en-US" altLang="ko-KR" dirty="0" smtClean="0"/>
           </a:p>
@@ -6312,7 +6473,6 @@
               <a:rPr lang="en-US" altLang="ko-KR" sz="1100" dirty="0" smtClean="0"/>
               <a:t>.</a:t>
             </a:r>
-            <a:endParaRPr lang="en-US" altLang="ko-KR" sz="1100" dirty="0" smtClean="0"/>
           </a:p>
         </p:txBody>
       </p:sp>

--- a/document/guide/화면설계서 V0.02.pptx
+++ b/document/guide/화면설계서 V0.02.pptx
@@ -15,8 +15,10 @@
     <p:sldId id="268" r:id="rId9"/>
     <p:sldId id="264" r:id="rId10"/>
     <p:sldId id="265" r:id="rId11"/>
-    <p:sldId id="257" r:id="rId12"/>
-    <p:sldId id="258" r:id="rId13"/>
+    <p:sldId id="269" r:id="rId12"/>
+    <p:sldId id="270" r:id="rId13"/>
+    <p:sldId id="257" r:id="rId14"/>
+    <p:sldId id="258" r:id="rId15"/>
   </p:sldIdLst>
   <p:sldSz cx="9144000" cy="6858000" type="screen4x3"/>
   <p:notesSz cx="6858000" cy="9144000"/>
@@ -299,7 +301,7 @@
           <a:p>
             <a:fld id="{23AD815C-601B-49CD-8FF6-5B651A1CD159}" type="datetimeFigureOut">
               <a:rPr lang="ko-KR" altLang="en-US" smtClean="0"/>
-              <a:t>2012-10-02</a:t>
+              <a:t>2012-10-04</a:t>
             </a:fld>
             <a:endParaRPr lang="ko-KR" altLang="en-US"/>
           </a:p>
@@ -469,7 +471,7 @@
           <a:p>
             <a:fld id="{23AD815C-601B-49CD-8FF6-5B651A1CD159}" type="datetimeFigureOut">
               <a:rPr lang="ko-KR" altLang="en-US" smtClean="0"/>
-              <a:t>2012-10-02</a:t>
+              <a:t>2012-10-04</a:t>
             </a:fld>
             <a:endParaRPr lang="ko-KR" altLang="en-US"/>
           </a:p>
@@ -649,7 +651,7 @@
           <a:p>
             <a:fld id="{23AD815C-601B-49CD-8FF6-5B651A1CD159}" type="datetimeFigureOut">
               <a:rPr lang="ko-KR" altLang="en-US" smtClean="0"/>
-              <a:t>2012-10-02</a:t>
+              <a:t>2012-10-04</a:t>
             </a:fld>
             <a:endParaRPr lang="ko-KR" altLang="en-US"/>
           </a:p>
@@ -819,7 +821,7 @@
           <a:p>
             <a:fld id="{23AD815C-601B-49CD-8FF6-5B651A1CD159}" type="datetimeFigureOut">
               <a:rPr lang="ko-KR" altLang="en-US" smtClean="0"/>
-              <a:t>2012-10-02</a:t>
+              <a:t>2012-10-04</a:t>
             </a:fld>
             <a:endParaRPr lang="ko-KR" altLang="en-US"/>
           </a:p>
@@ -1065,7 +1067,7 @@
           <a:p>
             <a:fld id="{23AD815C-601B-49CD-8FF6-5B651A1CD159}" type="datetimeFigureOut">
               <a:rPr lang="ko-KR" altLang="en-US" smtClean="0"/>
-              <a:t>2012-10-02</a:t>
+              <a:t>2012-10-04</a:t>
             </a:fld>
             <a:endParaRPr lang="ko-KR" altLang="en-US"/>
           </a:p>
@@ -1353,7 +1355,7 @@
           <a:p>
             <a:fld id="{23AD815C-601B-49CD-8FF6-5B651A1CD159}" type="datetimeFigureOut">
               <a:rPr lang="ko-KR" altLang="en-US" smtClean="0"/>
-              <a:t>2012-10-02</a:t>
+              <a:t>2012-10-04</a:t>
             </a:fld>
             <a:endParaRPr lang="ko-KR" altLang="en-US"/>
           </a:p>
@@ -1775,7 +1777,7 @@
           <a:p>
             <a:fld id="{23AD815C-601B-49CD-8FF6-5B651A1CD159}" type="datetimeFigureOut">
               <a:rPr lang="ko-KR" altLang="en-US" smtClean="0"/>
-              <a:t>2012-10-02</a:t>
+              <a:t>2012-10-04</a:t>
             </a:fld>
             <a:endParaRPr lang="ko-KR" altLang="en-US"/>
           </a:p>
@@ -1893,7 +1895,7 @@
           <a:p>
             <a:fld id="{23AD815C-601B-49CD-8FF6-5B651A1CD159}" type="datetimeFigureOut">
               <a:rPr lang="ko-KR" altLang="en-US" smtClean="0"/>
-              <a:t>2012-10-02</a:t>
+              <a:t>2012-10-04</a:t>
             </a:fld>
             <a:endParaRPr lang="ko-KR" altLang="en-US"/>
           </a:p>
@@ -1988,7 +1990,7 @@
           <a:p>
             <a:fld id="{23AD815C-601B-49CD-8FF6-5B651A1CD159}" type="datetimeFigureOut">
               <a:rPr lang="ko-KR" altLang="en-US" smtClean="0"/>
-              <a:t>2012-10-02</a:t>
+              <a:t>2012-10-04</a:t>
             </a:fld>
             <a:endParaRPr lang="ko-KR" altLang="en-US"/>
           </a:p>
@@ -2265,7 +2267,7 @@
           <a:p>
             <a:fld id="{23AD815C-601B-49CD-8FF6-5B651A1CD159}" type="datetimeFigureOut">
               <a:rPr lang="ko-KR" altLang="en-US" smtClean="0"/>
-              <a:t>2012-10-02</a:t>
+              <a:t>2012-10-04</a:t>
             </a:fld>
             <a:endParaRPr lang="ko-KR" altLang="en-US"/>
           </a:p>
@@ -2518,7 +2520,7 @@
           <a:p>
             <a:fld id="{23AD815C-601B-49CD-8FF6-5B651A1CD159}" type="datetimeFigureOut">
               <a:rPr lang="ko-KR" altLang="en-US" smtClean="0"/>
-              <a:t>2012-10-02</a:t>
+              <a:t>2012-10-04</a:t>
             </a:fld>
             <a:endParaRPr lang="ko-KR" altLang="en-US"/>
           </a:p>
@@ -2731,7 +2733,7 @@
           <a:p>
             <a:fld id="{23AD815C-601B-49CD-8FF6-5B651A1CD159}" type="datetimeFigureOut">
               <a:rPr lang="ko-KR" altLang="en-US" smtClean="0"/>
-              <a:t>2012-10-02</a:t>
+              <a:t>2012-10-04</a:t>
             </a:fld>
             <a:endParaRPr lang="ko-KR" altLang="en-US"/>
           </a:p>
@@ -3451,6 +3453,352 @@
           <a:chExt cx="0" cy="0"/>
         </a:xfrm>
       </p:grpSpPr>
+      <p:pic>
+        <p:nvPicPr>
+          <p:cNvPr id="1026" name="Picture 2"/>
+          <p:cNvPicPr>
+            <a:picLocks noChangeAspect="1" noChangeArrowheads="1"/>
+          </p:cNvPicPr>
+          <p:nvPr/>
+        </p:nvPicPr>
+        <p:blipFill>
+          <a:blip r:embed="rId2">
+            <a:extLst>
+              <a:ext uri="{28A0092B-C50C-407E-A947-70E740481C1C}">
+                <a14:useLocalDpi xmlns:a14="http://schemas.microsoft.com/office/drawing/2010/main" val="0"/>
+              </a:ext>
+            </a:extLst>
+          </a:blip>
+          <a:srcRect/>
+          <a:stretch>
+            <a:fillRect/>
+          </a:stretch>
+        </p:blipFill>
+        <p:spPr bwMode="auto">
+          <a:xfrm>
+            <a:off x="1043608" y="548680"/>
+            <a:ext cx="7036076" cy="4685038"/>
+          </a:xfrm>
+          <a:prstGeom prst="rect">
+            <a:avLst/>
+          </a:prstGeom>
+          <a:noFill/>
+          <a:ln>
+            <a:noFill/>
+          </a:ln>
+          <a:effectLst/>
+          <a:extLst>
+            <a:ext uri="{909E8E84-426E-40DD-AFC4-6F175D3DCCD1}">
+              <a14:hiddenFill xmlns:a14="http://schemas.microsoft.com/office/drawing/2010/main">
+                <a:solidFill>
+                  <a:schemeClr val="accent1"/>
+                </a:solidFill>
+              </a14:hiddenFill>
+            </a:ext>
+            <a:ext uri="{91240B29-F687-4F45-9708-019B960494DF}">
+              <a14:hiddenLine xmlns:a14="http://schemas.microsoft.com/office/drawing/2010/main" w="9525">
+                <a:solidFill>
+                  <a:schemeClr val="tx1"/>
+                </a:solidFill>
+                <a:miter lim="800000"/>
+                <a:headEnd/>
+                <a:tailEnd/>
+              </a14:hiddenLine>
+            </a:ext>
+            <a:ext uri="{AF507438-7753-43E0-B8FC-AC1667EBCBE1}">
+              <a14:hiddenEffects xmlns:a14="http://schemas.microsoft.com/office/drawing/2010/main">
+                <a:effectLst>
+                  <a:outerShdw dist="35921" dir="2700000" algn="ctr" rotWithShape="0">
+                    <a:schemeClr val="bg2"/>
+                  </a:outerShdw>
+                </a:effectLst>
+              </a14:hiddenEffects>
+            </a:ext>
+          </a:extLst>
+        </p:spPr>
+      </p:pic>
+      <p:sp>
+        <p:nvSpPr>
+          <p:cNvPr id="5" name="직사각형 4"/>
+          <p:cNvSpPr/>
+          <p:nvPr/>
+        </p:nvSpPr>
+        <p:spPr>
+          <a:xfrm>
+            <a:off x="0" y="0"/>
+            <a:ext cx="9144000" cy="345600"/>
+          </a:xfrm>
+          <a:prstGeom prst="rect">
+            <a:avLst/>
+          </a:prstGeom>
+        </p:spPr>
+        <p:style>
+          <a:lnRef idx="2">
+            <a:schemeClr val="accent1">
+              <a:shade val="50000"/>
+            </a:schemeClr>
+          </a:lnRef>
+          <a:fillRef idx="1">
+            <a:schemeClr val="accent1"/>
+          </a:fillRef>
+          <a:effectRef idx="0">
+            <a:schemeClr val="accent1"/>
+          </a:effectRef>
+          <a:fontRef idx="minor">
+            <a:schemeClr val="lt1"/>
+          </a:fontRef>
+        </p:style>
+        <p:txBody>
+          <a:bodyPr rtlCol="0" anchor="ctr"/>
+          <a:lstStyle/>
+          <a:p>
+            <a:pPr algn="ctr"/>
+            <a:r>
+              <a:rPr lang="ko-KR" altLang="en-US" dirty="0" smtClean="0"/>
+              <a:t>테마 리스트 페이지</a:t>
+            </a:r>
+            <a:endParaRPr lang="en-US" altLang="ko-KR" dirty="0" smtClean="0"/>
+          </a:p>
+        </p:txBody>
+      </p:sp>
+      <p:sp>
+        <p:nvSpPr>
+          <p:cNvPr id="6" name="TextBox 5"/>
+          <p:cNvSpPr txBox="1"/>
+          <p:nvPr/>
+        </p:nvSpPr>
+        <p:spPr>
+          <a:xfrm>
+            <a:off x="143508" y="5565140"/>
+            <a:ext cx="8856984" cy="938719"/>
+          </a:xfrm>
+          <a:prstGeom prst="rect">
+            <a:avLst/>
+          </a:prstGeom>
+          <a:noFill/>
+          <a:ln>
+            <a:solidFill>
+              <a:schemeClr val="accent1">
+                <a:shade val="50000"/>
+              </a:schemeClr>
+            </a:solidFill>
+            <a:prstDash val="dash"/>
+          </a:ln>
+        </p:spPr>
+        <p:txBody>
+          <a:bodyPr wrap="square" rtlCol="0">
+            <a:spAutoFit/>
+          </a:bodyPr>
+          <a:lstStyle/>
+          <a:p>
+            <a:r>
+              <a:rPr lang="ko-KR" altLang="en-US" sz="1100" dirty="0" smtClean="0"/>
+              <a:t>테마리스트 페이지는 </a:t>
+            </a:r>
+            <a:r>
+              <a:rPr lang="ko-KR" altLang="en-US" sz="1100" dirty="0" err="1" smtClean="0"/>
+              <a:t>테마명에</a:t>
+            </a:r>
+            <a:r>
+              <a:rPr lang="ko-KR" altLang="en-US" sz="1100" dirty="0" smtClean="0"/>
+              <a:t> </a:t>
+            </a:r>
+            <a:r>
+              <a:rPr lang="en-US" altLang="ko-KR" sz="1100" dirty="0" err="1" smtClean="0"/>
+              <a:t>ThumbNail</a:t>
+            </a:r>
+            <a:r>
+              <a:rPr lang="en-US" altLang="ko-KR" sz="1100" dirty="0" smtClean="0"/>
+              <a:t> </a:t>
+            </a:r>
+            <a:r>
+              <a:rPr lang="ko-KR" altLang="en-US" sz="1100" dirty="0" smtClean="0"/>
+              <a:t>이미지가 들어갈 것입니다</a:t>
+            </a:r>
+            <a:r>
+              <a:rPr lang="en-US" altLang="ko-KR" sz="1100" dirty="0" smtClean="0"/>
+              <a:t>.</a:t>
+            </a:r>
+          </a:p>
+          <a:p>
+            <a:r>
+              <a:rPr lang="ko-KR" altLang="en-US" sz="1100" dirty="0" smtClean="0"/>
+              <a:t>관리자만 리스트 페이지에서 삭제가 가능 합니다</a:t>
+            </a:r>
+            <a:r>
+              <a:rPr lang="en-US" altLang="ko-KR" sz="1100" dirty="0" smtClean="0"/>
+              <a:t>.</a:t>
+            </a:r>
+          </a:p>
+          <a:p>
+            <a:r>
+              <a:rPr lang="ko-KR" altLang="en-US" sz="1100" dirty="0" err="1" smtClean="0"/>
+              <a:t>메인페이지에서</a:t>
+            </a:r>
+            <a:r>
+              <a:rPr lang="ko-KR" altLang="en-US" sz="1100" dirty="0" smtClean="0"/>
+              <a:t> 카테고리를 누르면 이 화면으로 오고</a:t>
+            </a:r>
+            <a:r>
+              <a:rPr lang="en-US" altLang="ko-KR" sz="1100" dirty="0"/>
+              <a:t> </a:t>
+            </a:r>
+            <a:r>
+              <a:rPr lang="ko-KR" altLang="en-US" sz="1100" dirty="0" smtClean="0"/>
+              <a:t>메뉴에서 눌렀을 때도 이쪽으로 오게 됩니다</a:t>
+            </a:r>
+            <a:r>
+              <a:rPr lang="en-US" altLang="ko-KR" sz="1100" dirty="0" smtClean="0"/>
+              <a:t>.</a:t>
+            </a:r>
+          </a:p>
+          <a:p>
+            <a:r>
+              <a:rPr lang="ko-KR" altLang="en-US" sz="1100" dirty="0" smtClean="0"/>
+              <a:t>다운로드 하는 경우 </a:t>
+            </a:r>
+            <a:r>
+              <a:rPr lang="en-US" altLang="ko-KR" sz="1100" dirty="0" smtClean="0"/>
+              <a:t>Android, </a:t>
+            </a:r>
+            <a:r>
+              <a:rPr lang="ko-KR" altLang="en-US" sz="1100" dirty="0" err="1" smtClean="0"/>
+              <a:t>아이폰</a:t>
+            </a:r>
+            <a:r>
+              <a:rPr lang="ko-KR" altLang="en-US" sz="1100" dirty="0" smtClean="0"/>
+              <a:t> 여부를 확인하고 각각 다운로드 되게 합니다</a:t>
+            </a:r>
+            <a:r>
+              <a:rPr lang="en-US" altLang="ko-KR" sz="1100" dirty="0" smtClean="0"/>
+              <a:t>.</a:t>
+            </a:r>
+          </a:p>
+          <a:p>
+            <a:r>
+              <a:rPr lang="ko-KR" altLang="en-US" sz="1100" dirty="0" smtClean="0"/>
+              <a:t>폰 적용은 </a:t>
+            </a:r>
+            <a:r>
+              <a:rPr lang="en-US" altLang="ko-KR" sz="1100" dirty="0" smtClean="0"/>
+              <a:t>ActiveX</a:t>
+            </a:r>
+            <a:r>
+              <a:rPr lang="ko-KR" altLang="en-US" sz="1100" dirty="0" smtClean="0"/>
+              <a:t>를 사용을 해야 합니다</a:t>
+            </a:r>
+            <a:r>
+              <a:rPr lang="en-US" altLang="ko-KR" sz="1100" dirty="0" smtClean="0"/>
+              <a:t>.</a:t>
+            </a:r>
+            <a:endParaRPr lang="en-US" altLang="ko-KR" sz="1100" dirty="0" smtClean="0"/>
+          </a:p>
+        </p:txBody>
+      </p:sp>
+    </p:spTree>
+    <p:extLst>
+      <p:ext uri="{BB962C8B-B14F-4D97-AF65-F5344CB8AC3E}">
+        <p14:creationId xmlns:p14="http://schemas.microsoft.com/office/powerpoint/2010/main" val="3944658750"/>
+      </p:ext>
+    </p:extLst>
+  </p:cSld>
+  <p:clrMapOvr>
+    <a:masterClrMapping/>
+  </p:clrMapOvr>
+</p:sld>
+</file>
+
+<file path=ppt/slides/slide12.xml><?xml version="1.0" encoding="utf-8"?>
+<p:sld xmlns:a="http://schemas.openxmlformats.org/drawingml/2006/main" xmlns:r="http://schemas.openxmlformats.org/officeDocument/2006/relationships" xmlns:p="http://schemas.openxmlformats.org/presentationml/2006/main">
+  <p:cSld>
+    <p:spTree>
+      <p:nvGrpSpPr>
+        <p:cNvPr id="1" name=""/>
+        <p:cNvGrpSpPr/>
+        <p:nvPr/>
+      </p:nvGrpSpPr>
+      <p:grpSpPr>
+        <a:xfrm>
+          <a:off x="0" y="0"/>
+          <a:ext cx="0" cy="0"/>
+          <a:chOff x="0" y="0"/>
+          <a:chExt cx="0" cy="0"/>
+        </a:xfrm>
+      </p:grpSpPr>
+      <p:sp>
+        <p:nvSpPr>
+          <p:cNvPr id="4" name="직사각형 3"/>
+          <p:cNvSpPr/>
+          <p:nvPr/>
+        </p:nvSpPr>
+        <p:spPr>
+          <a:xfrm>
+            <a:off x="0" y="0"/>
+            <a:ext cx="9144000" cy="345600"/>
+          </a:xfrm>
+          <a:prstGeom prst="rect">
+            <a:avLst/>
+          </a:prstGeom>
+        </p:spPr>
+        <p:style>
+          <a:lnRef idx="2">
+            <a:schemeClr val="accent1">
+              <a:shade val="50000"/>
+            </a:schemeClr>
+          </a:lnRef>
+          <a:fillRef idx="1">
+            <a:schemeClr val="accent1"/>
+          </a:fillRef>
+          <a:effectRef idx="0">
+            <a:schemeClr val="accent1"/>
+          </a:effectRef>
+          <a:fontRef idx="minor">
+            <a:schemeClr val="lt1"/>
+          </a:fontRef>
+        </p:style>
+        <p:txBody>
+          <a:bodyPr rtlCol="0" anchor="ctr"/>
+          <a:lstStyle/>
+          <a:p>
+            <a:pPr algn="ctr"/>
+            <a:r>
+              <a:rPr lang="ko-KR" altLang="en-US" dirty="0" smtClean="0"/>
+              <a:t>테마 상세 페이지</a:t>
+            </a:r>
+            <a:endParaRPr lang="en-US" altLang="ko-KR" dirty="0" smtClean="0"/>
+          </a:p>
+        </p:txBody>
+      </p:sp>
+    </p:spTree>
+    <p:extLst>
+      <p:ext uri="{BB962C8B-B14F-4D97-AF65-F5344CB8AC3E}">
+        <p14:creationId xmlns:p14="http://schemas.microsoft.com/office/powerpoint/2010/main" val="556038016"/>
+      </p:ext>
+    </p:extLst>
+  </p:cSld>
+  <p:clrMapOvr>
+    <a:masterClrMapping/>
+  </p:clrMapOvr>
+</p:sld>
+</file>
+
+<file path=ppt/slides/slide13.xml><?xml version="1.0" encoding="utf-8"?>
+<p:sld xmlns:a="http://schemas.openxmlformats.org/drawingml/2006/main" xmlns:r="http://schemas.openxmlformats.org/officeDocument/2006/relationships" xmlns:p="http://schemas.openxmlformats.org/presentationml/2006/main">
+  <p:cSld>
+    <p:spTree>
+      <p:nvGrpSpPr>
+        <p:cNvPr id="1" name=""/>
+        <p:cNvGrpSpPr/>
+        <p:nvPr/>
+      </p:nvGrpSpPr>
+      <p:grpSpPr>
+        <a:xfrm>
+          <a:off x="0" y="0"/>
+          <a:ext cx="0" cy="0"/>
+          <a:chOff x="0" y="0"/>
+          <a:chExt cx="0" cy="0"/>
+        </a:xfrm>
+      </p:grpSpPr>
       <p:sp>
         <p:nvSpPr>
           <p:cNvPr id="4" name="직사각형 3"/>
@@ -4210,7 +4558,7 @@
 </p:sld>
 </file>
 
-<file path=ppt/slides/slide12.xml><?xml version="1.0" encoding="utf-8"?>
+<file path=ppt/slides/slide14.xml><?xml version="1.0" encoding="utf-8"?>
 <p:sld xmlns:a="http://schemas.openxmlformats.org/drawingml/2006/main" xmlns:r="http://schemas.openxmlformats.org/officeDocument/2006/relationships" xmlns:p="http://schemas.openxmlformats.org/presentationml/2006/main">
   <p:cSld>
     <p:spTree>

--- a/document/guide/화면설계서 V0.02.pptx
+++ b/document/guide/화면설계서 V0.02.pptx
@@ -17,8 +17,9 @@
     <p:sldId id="265" r:id="rId11"/>
     <p:sldId id="269" r:id="rId12"/>
     <p:sldId id="270" r:id="rId13"/>
-    <p:sldId id="257" r:id="rId14"/>
-    <p:sldId id="258" r:id="rId15"/>
+    <p:sldId id="271" r:id="rId14"/>
+    <p:sldId id="257" r:id="rId15"/>
+    <p:sldId id="258" r:id="rId16"/>
   </p:sldIdLst>
   <p:sldSz cx="9144000" cy="6858000" type="screen4x3"/>
   <p:notesSz cx="6858000" cy="9144000"/>
@@ -3691,7 +3692,6 @@
               <a:rPr lang="en-US" altLang="ko-KR" sz="1100" dirty="0" smtClean="0"/>
               <a:t>.</a:t>
             </a:r>
-            <a:endParaRPr lang="en-US" altLang="ko-KR" sz="1100" dirty="0" smtClean="0"/>
           </a:p>
         </p:txBody>
       </p:sp>
@@ -3783,6 +3783,220 @@
 </file>
 
 <file path=ppt/slides/slide13.xml><?xml version="1.0" encoding="utf-8"?>
+<p:sld xmlns:a="http://schemas.openxmlformats.org/drawingml/2006/main" xmlns:r="http://schemas.openxmlformats.org/officeDocument/2006/relationships" xmlns:p="http://schemas.openxmlformats.org/presentationml/2006/main">
+  <p:cSld>
+    <p:spTree>
+      <p:nvGrpSpPr>
+        <p:cNvPr id="1" name=""/>
+        <p:cNvGrpSpPr/>
+        <p:nvPr/>
+      </p:nvGrpSpPr>
+      <p:grpSpPr>
+        <a:xfrm>
+          <a:off x="0" y="0"/>
+          <a:ext cx="0" cy="0"/>
+          <a:chOff x="0" y="0"/>
+          <a:chExt cx="0" cy="0"/>
+        </a:xfrm>
+      </p:grpSpPr>
+      <p:sp>
+        <p:nvSpPr>
+          <p:cNvPr id="4" name="직사각형 3"/>
+          <p:cNvSpPr/>
+          <p:nvPr/>
+        </p:nvSpPr>
+        <p:spPr>
+          <a:xfrm>
+            <a:off x="0" y="0"/>
+            <a:ext cx="9144000" cy="345600"/>
+          </a:xfrm>
+          <a:prstGeom prst="rect">
+            <a:avLst/>
+          </a:prstGeom>
+        </p:spPr>
+        <p:style>
+          <a:lnRef idx="2">
+            <a:schemeClr val="accent1">
+              <a:shade val="50000"/>
+            </a:schemeClr>
+          </a:lnRef>
+          <a:fillRef idx="1">
+            <a:schemeClr val="accent1"/>
+          </a:fillRef>
+          <a:effectRef idx="0">
+            <a:schemeClr val="accent1"/>
+          </a:effectRef>
+          <a:fontRef idx="minor">
+            <a:schemeClr val="lt1"/>
+          </a:fontRef>
+        </p:style>
+        <p:txBody>
+          <a:bodyPr rtlCol="0" anchor="ctr"/>
+          <a:lstStyle/>
+          <a:p>
+            <a:pPr algn="ctr"/>
+            <a:r>
+              <a:rPr lang="en-US" altLang="ko-KR" dirty="0" smtClean="0"/>
+              <a:t>Open Template</a:t>
+            </a:r>
+            <a:r>
+              <a:rPr lang="ko-KR" altLang="en-US" dirty="0" smtClean="0"/>
+              <a:t>를 적용한 화면</a:t>
+            </a:r>
+            <a:endParaRPr lang="en-US" altLang="ko-KR" dirty="0" smtClean="0"/>
+          </a:p>
+        </p:txBody>
+      </p:sp>
+      <p:pic>
+        <p:nvPicPr>
+          <p:cNvPr id="1026" name="Picture 2"/>
+          <p:cNvPicPr>
+            <a:picLocks noChangeAspect="1" noChangeArrowheads="1"/>
+          </p:cNvPicPr>
+          <p:nvPr/>
+        </p:nvPicPr>
+        <p:blipFill>
+          <a:blip r:embed="rId2">
+            <a:extLst>
+              <a:ext uri="{28A0092B-C50C-407E-A947-70E740481C1C}">
+                <a14:useLocalDpi xmlns:a14="http://schemas.microsoft.com/office/drawing/2010/main" val="0"/>
+              </a:ext>
+            </a:extLst>
+          </a:blip>
+          <a:srcRect/>
+          <a:stretch>
+            <a:fillRect/>
+          </a:stretch>
+        </p:blipFill>
+        <p:spPr bwMode="auto">
+          <a:xfrm>
+            <a:off x="1259632" y="476673"/>
+            <a:ext cx="6704177" cy="4968552"/>
+          </a:xfrm>
+          <a:prstGeom prst="rect">
+            <a:avLst/>
+          </a:prstGeom>
+          <a:noFill/>
+          <a:ln w="9525">
+            <a:solidFill>
+              <a:schemeClr val="tx1"/>
+            </a:solidFill>
+            <a:miter lim="800000"/>
+            <a:headEnd/>
+            <a:tailEnd/>
+          </a:ln>
+          <a:effectLst/>
+          <a:extLst>
+            <a:ext uri="{909E8E84-426E-40DD-AFC4-6F175D3DCCD1}">
+              <a14:hiddenFill xmlns:a14="http://schemas.microsoft.com/office/drawing/2010/main">
+                <a:solidFill>
+                  <a:schemeClr val="accent1"/>
+                </a:solidFill>
+              </a14:hiddenFill>
+            </a:ext>
+            <a:ext uri="{AF507438-7753-43E0-B8FC-AC1667EBCBE1}">
+              <a14:hiddenEffects xmlns:a14="http://schemas.microsoft.com/office/drawing/2010/main">
+                <a:effectLst>
+                  <a:outerShdw dist="35921" dir="2700000" algn="ctr" rotWithShape="0">
+                    <a:schemeClr val="bg2"/>
+                  </a:outerShdw>
+                </a:effectLst>
+              </a14:hiddenEffects>
+            </a:ext>
+          </a:extLst>
+        </p:spPr>
+      </p:pic>
+      <p:sp>
+        <p:nvSpPr>
+          <p:cNvPr id="7" name="TextBox 6"/>
+          <p:cNvSpPr txBox="1"/>
+          <p:nvPr/>
+        </p:nvSpPr>
+        <p:spPr>
+          <a:xfrm>
+            <a:off x="143508" y="5565140"/>
+            <a:ext cx="8856984" cy="769441"/>
+          </a:xfrm>
+          <a:prstGeom prst="rect">
+            <a:avLst/>
+          </a:prstGeom>
+          <a:noFill/>
+          <a:ln>
+            <a:solidFill>
+              <a:schemeClr val="accent1">
+                <a:shade val="50000"/>
+              </a:schemeClr>
+            </a:solidFill>
+            <a:prstDash val="dash"/>
+          </a:ln>
+        </p:spPr>
+        <p:txBody>
+          <a:bodyPr wrap="square" rtlCol="0">
+            <a:spAutoFit/>
+          </a:bodyPr>
+          <a:lstStyle/>
+          <a:p>
+            <a:r>
+              <a:rPr lang="ko-KR" altLang="en-US" sz="1100" dirty="0" smtClean="0"/>
+              <a:t>무료로 제공하는 </a:t>
+            </a:r>
+            <a:r>
+              <a:rPr lang="en-US" altLang="ko-KR" sz="1100" dirty="0" smtClean="0"/>
+              <a:t>HTML </a:t>
+            </a:r>
+            <a:r>
+              <a:rPr lang="ko-KR" altLang="en-US" sz="1100" dirty="0" smtClean="0"/>
+              <a:t>템플릿을 이용한 메인 화면 레이아웃 입니다</a:t>
+            </a:r>
+            <a:r>
+              <a:rPr lang="en-US" altLang="ko-KR" sz="1100" dirty="0" smtClean="0"/>
+              <a:t>.</a:t>
+            </a:r>
+          </a:p>
+          <a:p>
+            <a:r>
+              <a:rPr lang="ko-KR" altLang="en-US" sz="1100" dirty="0" smtClean="0"/>
+              <a:t>빠르게 개발하기 위해서 제 임의적으로 잡아 놓았으며</a:t>
+            </a:r>
+            <a:r>
+              <a:rPr lang="en-US" altLang="ko-KR" sz="1100" dirty="0" smtClean="0"/>
+              <a:t>, </a:t>
+            </a:r>
+            <a:r>
+              <a:rPr lang="ko-KR" altLang="en-US" sz="1100" dirty="0" smtClean="0"/>
+              <a:t>혹시나 이상한 점이 있거나 더 좋은 자료가 있으시면 알려주시면 바로 적용 하도록 하겠습니다</a:t>
+            </a:r>
+            <a:r>
+              <a:rPr lang="en-US" altLang="ko-KR" sz="1100" dirty="0" smtClean="0"/>
+              <a:t>.</a:t>
+            </a:r>
+          </a:p>
+          <a:p>
+            <a:r>
+              <a:rPr lang="ko-KR" altLang="en-US" sz="1100" dirty="0" smtClean="0"/>
+              <a:t>우선은 빠르게 개발하기 위해 위 웹 화면을 사용하도록 하겠습니다</a:t>
+            </a:r>
+            <a:r>
+              <a:rPr lang="en-US" altLang="ko-KR" sz="1100" dirty="0" smtClean="0"/>
+              <a:t>.</a:t>
+            </a:r>
+          </a:p>
+        </p:txBody>
+      </p:sp>
+    </p:spTree>
+    <p:extLst>
+      <p:ext uri="{BB962C8B-B14F-4D97-AF65-F5344CB8AC3E}">
+        <p14:creationId xmlns:p14="http://schemas.microsoft.com/office/powerpoint/2010/main" val="4056888011"/>
+      </p:ext>
+    </p:extLst>
+  </p:cSld>
+  <p:clrMapOvr>
+    <a:masterClrMapping/>
+  </p:clrMapOvr>
+</p:sld>
+</file>
+
+<file path=ppt/slides/slide14.xml><?xml version="1.0" encoding="utf-8"?>
 <p:sld xmlns:a="http://schemas.openxmlformats.org/drawingml/2006/main" xmlns:r="http://schemas.openxmlformats.org/officeDocument/2006/relationships" xmlns:p="http://schemas.openxmlformats.org/presentationml/2006/main">
   <p:cSld>
     <p:spTree>
@@ -4558,7 +4772,7 @@
 </p:sld>
 </file>
 
-<file path=ppt/slides/slide14.xml><?xml version="1.0" encoding="utf-8"?>
+<file path=ppt/slides/slide15.xml><?xml version="1.0" encoding="utf-8"?>
 <p:sld xmlns:a="http://schemas.openxmlformats.org/drawingml/2006/main" xmlns:r="http://schemas.openxmlformats.org/officeDocument/2006/relationships" xmlns:p="http://schemas.openxmlformats.org/presentationml/2006/main">
   <p:cSld>
     <p:spTree>
